--- a/Draft Presentation_v1.pptx
+++ b/Draft Presentation_v1.pptx
@@ -21,11 +21,10 @@
     <p:sldId id="264" r:id="rId15"/>
     <p:sldId id="265" r:id="rId16"/>
     <p:sldId id="278" r:id="rId17"/>
-    <p:sldId id="268" r:id="rId18"/>
-    <p:sldId id="269" r:id="rId19"/>
-    <p:sldId id="270" r:id="rId20"/>
-    <p:sldId id="273" r:id="rId21"/>
-    <p:sldId id="279" r:id="rId22"/>
+    <p:sldId id="280" r:id="rId18"/>
+    <p:sldId id="281" r:id="rId19"/>
+    <p:sldId id="282" r:id="rId20"/>
+    <p:sldId id="279" r:id="rId21"/>
   </p:sldIdLst>
   <p:sldSz cx="12192000" cy="6858000"/>
   <p:notesSz cx="6858000" cy="9144000"/>
@@ -323,7 +322,7 @@
           <a:p>
             <a:fld id="{E1512C61-8B3D-4DFE-892F-15ED750C3B63}" type="datetimeFigureOut">
               <a:rPr lang="en-US" smtClean="0"/>
-              <a:t>8/2/2020</a:t>
+              <a:t>8/3/2020</a:t>
             </a:fld>
             <a:endParaRPr lang="en-US" dirty="0"/>
           </a:p>
@@ -758,7 +757,7 @@
           <a:p>
             <a:fld id="{E1512C61-8B3D-4DFE-892F-15ED750C3B63}" type="datetimeFigureOut">
               <a:rPr lang="en-US" smtClean="0"/>
-              <a:t>8/2/2020</a:t>
+              <a:t>8/3/2020</a:t>
             </a:fld>
             <a:endParaRPr lang="en-US" dirty="0"/>
           </a:p>
@@ -1008,7 +1007,7 @@
           <a:p>
             <a:fld id="{E1512C61-8B3D-4DFE-892F-15ED750C3B63}" type="datetimeFigureOut">
               <a:rPr lang="en-US" smtClean="0"/>
-              <a:t>8/2/2020</a:t>
+              <a:t>8/3/2020</a:t>
             </a:fld>
             <a:endParaRPr lang="en-US" dirty="0"/>
           </a:p>
@@ -1316,7 +1315,7 @@
           <a:p>
             <a:fld id="{E1512C61-8B3D-4DFE-892F-15ED750C3B63}" type="datetimeFigureOut">
               <a:rPr lang="en-US" smtClean="0"/>
-              <a:t>8/2/2020</a:t>
+              <a:t>8/3/2020</a:t>
             </a:fld>
             <a:endParaRPr lang="en-US" dirty="0"/>
           </a:p>
@@ -1634,7 +1633,7 @@
           <a:p>
             <a:fld id="{E1512C61-8B3D-4DFE-892F-15ED750C3B63}" type="datetimeFigureOut">
               <a:rPr lang="en-US" smtClean="0"/>
-              <a:t>8/2/2020</a:t>
+              <a:t>8/3/2020</a:t>
             </a:fld>
             <a:endParaRPr lang="en-US" dirty="0"/>
           </a:p>
@@ -1936,7 +1935,7 @@
           <a:p>
             <a:fld id="{E1512C61-8B3D-4DFE-892F-15ED750C3B63}" type="datetimeFigureOut">
               <a:rPr lang="en-US" smtClean="0"/>
-              <a:t>8/2/2020</a:t>
+              <a:t>8/3/2020</a:t>
             </a:fld>
             <a:endParaRPr lang="en-US" dirty="0"/>
           </a:p>
@@ -2303,7 +2302,7 @@
           <a:p>
             <a:fld id="{E1512C61-8B3D-4DFE-892F-15ED750C3B63}" type="datetimeFigureOut">
               <a:rPr lang="en-US" smtClean="0"/>
-              <a:t>8/2/2020</a:t>
+              <a:t>8/3/2020</a:t>
             </a:fld>
             <a:endParaRPr lang="en-US" dirty="0"/>
           </a:p>
@@ -2477,7 +2476,7 @@
           <a:p>
             <a:fld id="{E1512C61-8B3D-4DFE-892F-15ED750C3B63}" type="datetimeFigureOut">
               <a:rPr lang="en-US" smtClean="0"/>
-              <a:t>8/2/2020</a:t>
+              <a:t>8/3/2020</a:t>
             </a:fld>
             <a:endParaRPr lang="en-US" dirty="0"/>
           </a:p>
@@ -2657,7 +2656,7 @@
           <a:p>
             <a:fld id="{E1512C61-8B3D-4DFE-892F-15ED750C3B63}" type="datetimeFigureOut">
               <a:rPr lang="en-US" smtClean="0"/>
-              <a:t>8/2/2020</a:t>
+              <a:t>8/3/2020</a:t>
             </a:fld>
             <a:endParaRPr lang="en-US" dirty="0"/>
           </a:p>
@@ -2827,7 +2826,7 @@
           <a:p>
             <a:fld id="{E1512C61-8B3D-4DFE-892F-15ED750C3B63}" type="datetimeFigureOut">
               <a:rPr lang="en-US" smtClean="0"/>
-              <a:t>8/2/2020</a:t>
+              <a:t>8/3/2020</a:t>
             </a:fld>
             <a:endParaRPr lang="en-US" dirty="0"/>
           </a:p>
@@ -3077,7 +3076,7 @@
           <a:p>
             <a:fld id="{E1512C61-8B3D-4DFE-892F-15ED750C3B63}" type="datetimeFigureOut">
               <a:rPr lang="en-US" smtClean="0"/>
-              <a:t>8/2/2020</a:t>
+              <a:t>8/3/2020</a:t>
             </a:fld>
             <a:endParaRPr lang="en-US" dirty="0"/>
           </a:p>
@@ -3313,7 +3312,7 @@
           <a:p>
             <a:fld id="{E1512C61-8B3D-4DFE-892F-15ED750C3B63}" type="datetimeFigureOut">
               <a:rPr lang="en-US" smtClean="0"/>
-              <a:t>8/2/2020</a:t>
+              <a:t>8/3/2020</a:t>
             </a:fld>
             <a:endParaRPr lang="en-US" dirty="0"/>
           </a:p>
@@ -3695,7 +3694,7 @@
           <a:p>
             <a:fld id="{E1512C61-8B3D-4DFE-892F-15ED750C3B63}" type="datetimeFigureOut">
               <a:rPr lang="en-US" smtClean="0"/>
-              <a:t>8/2/2020</a:t>
+              <a:t>8/3/2020</a:t>
             </a:fld>
             <a:endParaRPr lang="en-US" dirty="0"/>
           </a:p>
@@ -3813,7 +3812,7 @@
           <a:p>
             <a:fld id="{E1512C61-8B3D-4DFE-892F-15ED750C3B63}" type="datetimeFigureOut">
               <a:rPr lang="en-US" smtClean="0"/>
-              <a:t>8/2/2020</a:t>
+              <a:t>8/3/2020</a:t>
             </a:fld>
             <a:endParaRPr lang="en-US" dirty="0"/>
           </a:p>
@@ -3908,7 +3907,7 @@
           <a:p>
             <a:fld id="{E1512C61-8B3D-4DFE-892F-15ED750C3B63}" type="datetimeFigureOut">
               <a:rPr lang="en-US" smtClean="0"/>
-              <a:t>8/2/2020</a:t>
+              <a:t>8/3/2020</a:t>
             </a:fld>
             <a:endParaRPr lang="en-US" dirty="0"/>
           </a:p>
@@ -4163,7 +4162,7 @@
           <a:p>
             <a:fld id="{E1512C61-8B3D-4DFE-892F-15ED750C3B63}" type="datetimeFigureOut">
               <a:rPr lang="en-US" smtClean="0"/>
-              <a:t>8/2/2020</a:t>
+              <a:t>8/3/2020</a:t>
             </a:fld>
             <a:endParaRPr lang="en-US" dirty="0"/>
           </a:p>
@@ -4445,7 +4444,7 @@
           <a:p>
             <a:fld id="{E1512C61-8B3D-4DFE-892F-15ED750C3B63}" type="datetimeFigureOut">
               <a:rPr lang="en-US" smtClean="0"/>
-              <a:t>8/2/2020</a:t>
+              <a:t>8/3/2020</a:t>
             </a:fld>
             <a:endParaRPr lang="en-US" dirty="0"/>
           </a:p>
@@ -4851,7 +4850,7 @@
           <a:p>
             <a:fld id="{E1512C61-8B3D-4DFE-892F-15ED750C3B63}" type="datetimeFigureOut">
               <a:rPr lang="en-US" smtClean="0"/>
-              <a:t>8/2/2020</a:t>
+              <a:t>8/3/2020</a:t>
             </a:fld>
             <a:endParaRPr lang="en-US" dirty="0"/>
           </a:p>
@@ -6103,7 +6102,7 @@
           <a:p>
             <a:r>
               <a:rPr lang="en-US" dirty="0"/>
-              <a:t>Data on Selected Other Cities</a:t>
+              <a:t>Data on Other Selected Cities</a:t>
             </a:r>
           </a:p>
         </p:txBody>
@@ -6711,8 +6710,8 @@
         </p:blipFill>
         <p:spPr>
           <a:xfrm>
-            <a:off x="1471036" y="817854"/>
-            <a:ext cx="4020111" cy="3019846"/>
+            <a:off x="1713662" y="785950"/>
+            <a:ext cx="3819105" cy="2868854"/>
           </a:xfrm>
           <a:prstGeom prst="rect">
             <a:avLst/>
@@ -6741,8 +6740,8 @@
         </p:blipFill>
         <p:spPr>
           <a:xfrm>
-            <a:off x="1613930" y="4024439"/>
-            <a:ext cx="3734321" cy="2604689"/>
+            <a:off x="5871098" y="851587"/>
+            <a:ext cx="3924848" cy="2737581"/>
           </a:xfrm>
           <a:prstGeom prst="rect">
             <a:avLst/>
@@ -6771,8 +6770,8 @@
         </p:blipFill>
         <p:spPr>
           <a:xfrm>
-            <a:off x="5876000" y="834524"/>
-            <a:ext cx="4067743" cy="3029373"/>
+            <a:off x="1691037" y="3751224"/>
+            <a:ext cx="3864356" cy="2877904"/>
           </a:xfrm>
           <a:prstGeom prst="rect">
             <a:avLst/>
@@ -6801,14 +6800,112 @@
         </p:blipFill>
         <p:spPr>
           <a:xfrm>
-            <a:off x="6023658" y="4057019"/>
-            <a:ext cx="3772426" cy="2572109"/>
+            <a:off x="5871098" y="3839819"/>
+            <a:ext cx="3961047" cy="2700714"/>
           </a:xfrm>
           <a:prstGeom prst="rect">
             <a:avLst/>
           </a:prstGeom>
         </p:spPr>
       </p:pic>
+      <p:sp>
+        <p:nvSpPr>
+          <p:cNvPr id="4" name="TextBox 3">
+            <a:extLst>
+              <a:ext uri="{FF2B5EF4-FFF2-40B4-BE49-F238E27FC236}">
+                <a16:creationId xmlns:a16="http://schemas.microsoft.com/office/drawing/2014/main" id="{612F1426-41B0-4F35-A488-4855A15E0D3C}"/>
+              </a:ext>
+            </a:extLst>
+          </p:cNvPr>
+          <p:cNvSpPr txBox="1"/>
+          <p:nvPr/>
+        </p:nvSpPr>
+        <p:spPr>
+          <a:xfrm>
+            <a:off x="902372" y="1191677"/>
+            <a:ext cx="461665" cy="2057400"/>
+          </a:xfrm>
+          <a:prstGeom prst="rect">
+            <a:avLst/>
+          </a:prstGeom>
+          <a:noFill/>
+          <a:ln w="19050">
+            <a:solidFill>
+              <a:schemeClr val="tx1"/>
+            </a:solidFill>
+          </a:ln>
+          <a:effectLst>
+            <a:glow rad="63500">
+              <a:schemeClr val="accent2">
+                <a:satMod val="175000"/>
+                <a:alpha val="40000"/>
+              </a:schemeClr>
+            </a:glow>
+          </a:effectLst>
+        </p:spPr>
+        <p:txBody>
+          <a:bodyPr vert="vert270" wrap="square" rtlCol="0">
+            <a:spAutoFit/>
+          </a:bodyPr>
+          <a:lstStyle/>
+          <a:p>
+            <a:pPr algn="ctr"/>
+            <a:r>
+              <a:rPr lang="en-US" dirty="0"/>
+              <a:t>Violent Crimes</a:t>
+            </a:r>
+          </a:p>
+        </p:txBody>
+      </p:sp>
+      <p:sp>
+        <p:nvSpPr>
+          <p:cNvPr id="10" name="TextBox 9">
+            <a:extLst>
+              <a:ext uri="{FF2B5EF4-FFF2-40B4-BE49-F238E27FC236}">
+                <a16:creationId xmlns:a16="http://schemas.microsoft.com/office/drawing/2014/main" id="{82191070-E1E0-4F36-9424-C55631371DFF}"/>
+              </a:ext>
+            </a:extLst>
+          </p:cNvPr>
+          <p:cNvSpPr txBox="1"/>
+          <p:nvPr/>
+        </p:nvSpPr>
+        <p:spPr>
+          <a:xfrm>
+            <a:off x="902371" y="4036819"/>
+            <a:ext cx="461665" cy="2306714"/>
+          </a:xfrm>
+          <a:prstGeom prst="rect">
+            <a:avLst/>
+          </a:prstGeom>
+          <a:noFill/>
+          <a:ln w="19050">
+            <a:solidFill>
+              <a:schemeClr val="tx1"/>
+            </a:solidFill>
+          </a:ln>
+          <a:effectLst>
+            <a:glow rad="63500">
+              <a:schemeClr val="accent2">
+                <a:satMod val="175000"/>
+                <a:alpha val="40000"/>
+              </a:schemeClr>
+            </a:glow>
+          </a:effectLst>
+        </p:spPr>
+        <p:txBody>
+          <a:bodyPr vert="vert270" wrap="square" rtlCol="0">
+            <a:spAutoFit/>
+          </a:bodyPr>
+          <a:lstStyle/>
+          <a:p>
+            <a:pPr algn="ctr"/>
+            <a:r>
+              <a:rPr lang="en-US" dirty="0"/>
+              <a:t>Non-Violent Crimes</a:t>
+            </a:r>
+          </a:p>
+        </p:txBody>
+      </p:sp>
     </p:spTree>
     <p:extLst>
       <p:ext uri="{BB962C8B-B14F-4D97-AF65-F5344CB8AC3E}">
@@ -6889,7 +6986,7 @@
         <p:spPr>
           <a:xfrm>
             <a:off x="503339" y="906011"/>
-            <a:ext cx="11014762" cy="1569660"/>
+            <a:ext cx="11014762" cy="1323439"/>
           </a:xfrm>
           <a:prstGeom prst="rect">
             <a:avLst/>
@@ -6920,20 +7017,13 @@
               <a:rPr lang="en-US" sz="1600" dirty="0"/>
               <a:t>Source:  </a:t>
             </a:r>
-          </a:p>
-          <a:p>
-            <a:pPr marL="628650" lvl="1" indent="-171450">
-              <a:buFontTx/>
-              <a:buChar char="-"/>
-            </a:pPr>
             <a:r>
               <a:rPr lang="en-US" sz="1600" dirty="0">
-                <a:highlight>
-                  <a:srgbClr val="FFFF00"/>
-                </a:highlight>
+                <a:hlinkClick r:id="rId2"/>
               </a:rPr>
-              <a:t>[Data included traffic violations; our analysis adjusted the data to exclude traffic violations and focused on property crimes and criemes against the person]</a:t>
-            </a:r>
+              <a:t>https://www.opendataphilly.org/dataset/crime-incidents/resource/a2373b85-408b-4144-84e9-cb24843e5f2b</a:t>
+            </a:r>
+            <a:endParaRPr lang="en-US" sz="1600" dirty="0"/>
           </a:p>
           <a:p>
             <a:pPr marL="171450" indent="-171450">
@@ -6941,22 +7031,18 @@
               <a:buChar char="-"/>
             </a:pPr>
             <a:r>
-              <a:rPr lang="en-US" sz="1600" dirty="0">
-                <a:highlight>
-                  <a:srgbClr val="FFFF00"/>
-                </a:highlight>
-              </a:rPr>
-              <a:t>During the period of our analysis (Mar 1, 2019 through June 30, 2020), Denver experienced roughly 88,000 crimes, or 181 crimes per dayCommentary on Denver Crime Stats</a:t>
+              <a:rPr lang="en-US" sz="1600" dirty="0"/>
+              <a:t>During the period of this analysis (March 1, 2019 through June 30, 2020), Philadelphia experienced roughly 210,000 crimes, or 460 crimes per day</a:t>
             </a:r>
           </a:p>
         </p:txBody>
       </p:sp>
       <p:pic>
         <p:nvPicPr>
-          <p:cNvPr id="6" name="Picture 5">
+          <p:cNvPr id="7" name="Picture 6">
             <a:extLst>
               <a:ext uri="{FF2B5EF4-FFF2-40B4-BE49-F238E27FC236}">
-                <a16:creationId xmlns:a16="http://schemas.microsoft.com/office/drawing/2014/main" id="{73AE9D42-B450-4F98-BC76-4CD50EF72829}"/>
+                <a16:creationId xmlns:a16="http://schemas.microsoft.com/office/drawing/2014/main" id="{BABF2B65-A0A4-4F0F-8337-F94B7E546E19}"/>
               </a:ext>
             </a:extLst>
           </p:cNvPr>
@@ -6966,20 +7052,44 @@
           <p:nvPr/>
         </p:nvPicPr>
         <p:blipFill rotWithShape="1">
-          <a:blip r:embed="rId2">
+          <a:blip r:embed="rId3"/>
+          <a:srcRect l="13379"/>
+          <a:stretch/>
+        </p:blipFill>
+        <p:spPr>
+          <a:xfrm>
+            <a:off x="204188" y="3076750"/>
+            <a:ext cx="3263250" cy="2770059"/>
+          </a:xfrm>
+          <a:prstGeom prst="rect">
+            <a:avLst/>
+          </a:prstGeom>
+        </p:spPr>
+      </p:pic>
+      <p:pic>
+        <p:nvPicPr>
+          <p:cNvPr id="9" name="Picture 8">
             <a:extLst>
-              <a:ext uri="{28A0092B-C50C-407E-A947-70E740481C1C}">
-                <a14:useLocalDpi xmlns:a14="http://schemas.microsoft.com/office/drawing/2010/main" val="0"/>
+              <a:ext uri="{FF2B5EF4-FFF2-40B4-BE49-F238E27FC236}">
+                <a16:creationId xmlns:a16="http://schemas.microsoft.com/office/drawing/2014/main" id="{0FB8470A-1944-45C2-AA57-A55A41FFD596}"/>
               </a:ext>
             </a:extLst>
-          </a:blip>
-          <a:srcRect l="6667" r="-6667"/>
-          <a:stretch/>
+          </p:cNvPr>
+          <p:cNvPicPr>
+            <a:picLocks noChangeAspect="1"/>
+          </p:cNvPicPr>
+          <p:nvPr/>
+        </p:nvPicPr>
+        <p:blipFill>
+          <a:blip r:embed="rId4"/>
+          <a:stretch>
+            <a:fillRect/>
+          </a:stretch>
         </p:blipFill>
         <p:spPr>
           <a:xfrm>
-            <a:off x="3243459" y="3063239"/>
-            <a:ext cx="9326899" cy="3108966"/>
+            <a:off x="3587160" y="3076750"/>
+            <a:ext cx="8454546" cy="2770059"/>
           </a:xfrm>
           <a:prstGeom prst="rect">
             <a:avLst/>
@@ -6989,7 +7099,7 @@
     </p:spTree>
     <p:extLst>
       <p:ext uri="{BB962C8B-B14F-4D97-AF65-F5344CB8AC3E}">
-        <p14:creationId xmlns:p14="http://schemas.microsoft.com/office/powerpoint/2010/main" val="1223660130"/>
+        <p14:creationId xmlns:p14="http://schemas.microsoft.com/office/powerpoint/2010/main" val="4184249457"/>
       </p:ext>
     </p:extLst>
   </p:cSld>
@@ -7084,12 +7194,8 @@
               <a:buChar char="-"/>
             </a:pPr>
             <a:r>
-              <a:rPr lang="en-US" sz="1600" dirty="0">
-                <a:highlight>
-                  <a:srgbClr val="FFFF00"/>
-                </a:highlight>
-              </a:rPr>
-              <a:t>Denver’s crime rates have been relatively flat over the last 16 months, although we would note a general decline in crime beginning in August 2019 before increasing in April of 2020</a:t>
+              <a:rPr lang="en-US" sz="1600" dirty="0"/>
+              <a:t>Philadelphia’s crime rates show a downtrend for both violent and non-violent crimes since October, 2019. </a:t>
             </a:r>
           </a:p>
           <a:p>
@@ -7098,12 +7204,8 @@
               <a:buChar char="-"/>
             </a:pPr>
             <a:r>
-              <a:rPr lang="en-US" sz="1600" dirty="0">
-                <a:highlight>
-                  <a:srgbClr val="FFFF00"/>
-                </a:highlight>
-              </a:rPr>
-              <a:t>While this does not appear to be seasonal, we don’t have enough data to confirm this trends and would note that given Denver’s climate, more crimes may occur in the spring and summer seasons when the weather is warmer and more people are active and outdoors</a:t>
+              <a:rPr lang="en-US" sz="1600" dirty="0"/>
+              <a:t>The downtrend from February 2020 into May 2020 can be attributed to federal and state mandated lockdowns</a:t>
             </a:r>
           </a:p>
           <a:p>
@@ -7112,13 +7214,26 @@
               <a:buChar char="-"/>
             </a:pPr>
             <a:r>
-              <a:rPr lang="en-US" sz="1600" dirty="0">
-                <a:highlight>
-                  <a:srgbClr val="FFFF00"/>
-                </a:highlight>
-              </a:rPr>
-              <a:t>The team also notes the relatively high increase in non-violent crimes during May 2020, which was the highest monthly increase during the period studied</a:t>
-            </a:r>
+              <a:rPr lang="en-US" sz="1600" dirty="0"/>
+              <a:t>The spike in May for violent and non-violent crime may be due to the widespread national protest rallies seen in many major cities. </a:t>
+            </a:r>
+          </a:p>
+          <a:p>
+            <a:pPr marL="171450" indent="-171450">
+              <a:buFontTx/>
+              <a:buChar char="-"/>
+            </a:pPr>
+            <a:r>
+              <a:rPr lang="en-US" sz="1600" dirty="0"/>
+              <a:t>With only 16 months of data, it is not possible to draw any conclusions around seasonality.</a:t>
+            </a:r>
+          </a:p>
+          <a:p>
+            <a:pPr marL="171450" indent="-171450">
+              <a:buFontTx/>
+              <a:buChar char="-"/>
+            </a:pPr>
+            <a:endParaRPr lang="en-US" sz="1600" dirty="0"/>
           </a:p>
         </p:txBody>
       </p:sp>
@@ -7127,7 +7242,7 @@
           <p:cNvPr id="5" name="Picture 4">
             <a:extLst>
               <a:ext uri="{FF2B5EF4-FFF2-40B4-BE49-F238E27FC236}">
-                <a16:creationId xmlns:a16="http://schemas.microsoft.com/office/drawing/2014/main" id="{72C3D9C1-16F5-4530-BDB3-CE9AF1FE49AE}"/>
+                <a16:creationId xmlns:a16="http://schemas.microsoft.com/office/drawing/2014/main" id="{491D7257-1AC4-4B2C-9518-9A6CB560F801}"/>
               </a:ext>
             </a:extLst>
           </p:cNvPr>
@@ -7137,21 +7252,15 @@
           <p:nvPr/>
         </p:nvPicPr>
         <p:blipFill>
-          <a:blip r:embed="rId2">
-            <a:extLst>
-              <a:ext uri="{28A0092B-C50C-407E-A947-70E740481C1C}">
-                <a14:useLocalDpi xmlns:a14="http://schemas.microsoft.com/office/drawing/2010/main" val="0"/>
-              </a:ext>
-            </a:extLst>
-          </a:blip>
+          <a:blip r:embed="rId2"/>
           <a:stretch>
             <a:fillRect/>
           </a:stretch>
         </p:blipFill>
         <p:spPr>
           <a:xfrm>
-            <a:off x="1706880" y="2926080"/>
-            <a:ext cx="8778258" cy="3657607"/>
+            <a:off x="1899822" y="2798118"/>
+            <a:ext cx="8585308" cy="3785569"/>
           </a:xfrm>
           <a:prstGeom prst="rect">
             <a:avLst/>
@@ -7161,7 +7270,7 @@
     </p:spTree>
     <p:extLst>
       <p:ext uri="{BB962C8B-B14F-4D97-AF65-F5344CB8AC3E}">
-        <p14:creationId xmlns:p14="http://schemas.microsoft.com/office/powerpoint/2010/main" val="23285149"/>
+        <p14:creationId xmlns:p14="http://schemas.microsoft.com/office/powerpoint/2010/main" val="815445001"/>
       </p:ext>
     </p:extLst>
   </p:cSld>
@@ -7238,7 +7347,7 @@
         <p:spPr>
           <a:xfrm>
             <a:off x="503339" y="906011"/>
-            <a:ext cx="11014762" cy="830997"/>
+            <a:ext cx="11014762" cy="1323439"/>
           </a:xfrm>
           <a:prstGeom prst="rect">
             <a:avLst/>
@@ -7256,12 +7365,8 @@
               <a:buChar char="-"/>
             </a:pPr>
             <a:r>
-              <a:rPr lang="en-US" sz="1600" dirty="0">
-                <a:highlight>
-                  <a:srgbClr val="FFFF00"/>
-                </a:highlight>
-              </a:rPr>
-              <a:t>All Violent crime offense types – Aggrevated and Sexaul Assault, Other Crimes Against Persons, and Murder – experienced an uptick in reported cases in May 2020</a:t>
+              <a:rPr lang="en-US" sz="1600" dirty="0"/>
+              <a:t>Again, there is a noticeable downtrend from October 2020 in some of the top violent crimes and this trend is disrupted in May / June 2020 with a spike upward due to ease of lockdown and the national protests happening in major cities during this time period</a:t>
             </a:r>
           </a:p>
           <a:p>
@@ -7270,12 +7375,8 @@
               <a:buChar char="-"/>
             </a:pPr>
             <a:r>
-              <a:rPr lang="en-US" sz="1600" dirty="0">
-                <a:highlight>
-                  <a:srgbClr val="FFFF00"/>
-                </a:highlight>
-              </a:rPr>
-              <a:t>However, overall Violent crime cases were in line with the same period last year</a:t>
+              <a:rPr lang="en-US" sz="1600" dirty="0"/>
+              <a:t>The only exception, noted, in this graph is “Robbery – No Firearm” crimes did maintain a trend downward through May / June 2020</a:t>
             </a:r>
           </a:p>
         </p:txBody>
@@ -7285,7 +7386,7 @@
           <p:cNvPr id="6" name="Picture 5">
             <a:extLst>
               <a:ext uri="{FF2B5EF4-FFF2-40B4-BE49-F238E27FC236}">
-                <a16:creationId xmlns:a16="http://schemas.microsoft.com/office/drawing/2014/main" id="{AE4C4F28-AD73-4838-8F6E-01A939D520B8}"/>
+                <a16:creationId xmlns:a16="http://schemas.microsoft.com/office/drawing/2014/main" id="{7C669163-B229-4AC4-97F5-5BC48580D669}"/>
               </a:ext>
             </a:extLst>
           </p:cNvPr>
@@ -7295,21 +7396,15 @@
           <p:nvPr/>
         </p:nvPicPr>
         <p:blipFill>
-          <a:blip r:embed="rId2">
-            <a:extLst>
-              <a:ext uri="{28A0092B-C50C-407E-A947-70E740481C1C}">
-                <a14:useLocalDpi xmlns:a14="http://schemas.microsoft.com/office/drawing/2010/main" val="0"/>
-              </a:ext>
-            </a:extLst>
-          </a:blip>
+          <a:blip r:embed="rId2"/>
           <a:stretch>
             <a:fillRect/>
           </a:stretch>
         </p:blipFill>
         <p:spPr>
           <a:xfrm>
-            <a:off x="1706880" y="2926080"/>
-            <a:ext cx="8778258" cy="3657607"/>
+            <a:off x="1322773" y="2402329"/>
+            <a:ext cx="9271293" cy="4088044"/>
           </a:xfrm>
           <a:prstGeom prst="rect">
             <a:avLst/>
@@ -7319,7 +7414,7 @@
     </p:spTree>
     <p:extLst>
       <p:ext uri="{BB962C8B-B14F-4D97-AF65-F5344CB8AC3E}">
-        <p14:creationId xmlns:p14="http://schemas.microsoft.com/office/powerpoint/2010/main" val="3966998966"/>
+        <p14:creationId xmlns:p14="http://schemas.microsoft.com/office/powerpoint/2010/main" val="489404960"/>
       </p:ext>
     </p:extLst>
   </p:cSld>
@@ -7549,183 +7644,6 @@
           <a:p>
             <a:r>
               <a:rPr lang="en-US" sz="2000" dirty="0"/>
-              <a:t>Seattle– Overview of Crime by Offense</a:t>
-            </a:r>
-          </a:p>
-        </p:txBody>
-      </p:sp>
-      <p:sp>
-        <p:nvSpPr>
-          <p:cNvPr id="3" name="TextBox 2">
-            <a:extLst>
-              <a:ext uri="{FF2B5EF4-FFF2-40B4-BE49-F238E27FC236}">
-                <a16:creationId xmlns:a16="http://schemas.microsoft.com/office/drawing/2014/main" id="{3C7E118B-15B0-482F-B997-877F829A7771}"/>
-              </a:ext>
-            </a:extLst>
-          </p:cNvPr>
-          <p:cNvSpPr txBox="1"/>
-          <p:nvPr/>
-        </p:nvSpPr>
-        <p:spPr>
-          <a:xfrm>
-            <a:off x="503339" y="906011"/>
-            <a:ext cx="11014762" cy="1569660"/>
-          </a:xfrm>
-          <a:prstGeom prst="rect">
-            <a:avLst/>
-          </a:prstGeom>
-          <a:noFill/>
-        </p:spPr>
-        <p:txBody>
-          <a:bodyPr wrap="square" rtlCol="0">
-            <a:spAutoFit/>
-          </a:bodyPr>
-          <a:lstStyle/>
-          <a:p>
-            <a:pPr marL="171450" indent="-171450">
-              <a:buFontTx/>
-              <a:buChar char="-"/>
-            </a:pPr>
-            <a:r>
-              <a:rPr lang="en-US" sz="1600" dirty="0"/>
-              <a:t>Source data and cleaning efforts</a:t>
-            </a:r>
-          </a:p>
-          <a:p>
-            <a:pPr marL="628650" lvl="1" indent="-171450">
-              <a:buFontTx/>
-              <a:buChar char="-"/>
-            </a:pPr>
-            <a:r>
-              <a:rPr lang="en-US" sz="1600" dirty="0"/>
-              <a:t>Source:  </a:t>
-            </a:r>
-          </a:p>
-          <a:p>
-            <a:pPr marL="628650" lvl="1" indent="-171450">
-              <a:buFontTx/>
-              <a:buChar char="-"/>
-            </a:pPr>
-            <a:r>
-              <a:rPr lang="en-US" sz="1600" dirty="0">
-                <a:highlight>
-                  <a:srgbClr val="FFFF00"/>
-                </a:highlight>
-              </a:rPr>
-              <a:t>[Data included traffic violations; our analysis adjusted the data to exclude traffic violations and focused on property crimes and criemes against the person]</a:t>
-            </a:r>
-          </a:p>
-          <a:p>
-            <a:pPr marL="171450" indent="-171450">
-              <a:buFontTx/>
-              <a:buChar char="-"/>
-            </a:pPr>
-            <a:r>
-              <a:rPr lang="en-US" sz="1600" dirty="0">
-                <a:highlight>
-                  <a:srgbClr val="FFFF00"/>
-                </a:highlight>
-              </a:rPr>
-              <a:t>During the period of our analysis (Mar 1, 2019 through June 30, 2020), Denver experienced roughly 88,000 crimes, or 181 crimes per dayCommentary on Denver Crime Stats</a:t>
-            </a:r>
-          </a:p>
-        </p:txBody>
-      </p:sp>
-      <p:pic>
-        <p:nvPicPr>
-          <p:cNvPr id="6" name="Picture 5">
-            <a:extLst>
-              <a:ext uri="{FF2B5EF4-FFF2-40B4-BE49-F238E27FC236}">
-                <a16:creationId xmlns:a16="http://schemas.microsoft.com/office/drawing/2014/main" id="{101EF915-1BD8-496E-850C-A3D81917200D}"/>
-              </a:ext>
-            </a:extLst>
-          </p:cNvPr>
-          <p:cNvPicPr>
-            <a:picLocks noChangeAspect="1"/>
-          </p:cNvPicPr>
-          <p:nvPr/>
-        </p:nvPicPr>
-        <p:blipFill rotWithShape="1">
-          <a:blip r:embed="rId2">
-            <a:extLst>
-              <a:ext uri="{28A0092B-C50C-407E-A947-70E740481C1C}">
-                <a14:useLocalDpi xmlns:a14="http://schemas.microsoft.com/office/drawing/2010/main" val="0"/>
-              </a:ext>
-            </a:extLst>
-          </a:blip>
-          <a:srcRect l="8333" r="-8333"/>
-          <a:stretch/>
-        </p:blipFill>
-        <p:spPr>
-          <a:xfrm>
-            <a:off x="2558705" y="2875543"/>
-            <a:ext cx="9875540" cy="3291846"/>
-          </a:xfrm>
-          <a:prstGeom prst="rect">
-            <a:avLst/>
-          </a:prstGeom>
-        </p:spPr>
-      </p:pic>
-    </p:spTree>
-    <p:extLst>
-      <p:ext uri="{BB962C8B-B14F-4D97-AF65-F5344CB8AC3E}">
-        <p14:creationId xmlns:p14="http://schemas.microsoft.com/office/powerpoint/2010/main" val="1713188834"/>
-      </p:ext>
-    </p:extLst>
-  </p:cSld>
-  <p:clrMapOvr>
-    <a:masterClrMapping/>
-  </p:clrMapOvr>
-</p:sld>
-</file>
-
-<file path=ppt/slides/slide21.xml><?xml version="1.0" encoding="utf-8"?>
-<p:sld xmlns:a="http://schemas.openxmlformats.org/drawingml/2006/main" xmlns:r="http://schemas.openxmlformats.org/officeDocument/2006/relationships" xmlns:p="http://schemas.openxmlformats.org/presentationml/2006/main">
-  <p:cSld>
-    <p:spTree>
-      <p:nvGrpSpPr>
-        <p:cNvPr id="1" name=""/>
-        <p:cNvGrpSpPr/>
-        <p:nvPr/>
-      </p:nvGrpSpPr>
-      <p:grpSpPr>
-        <a:xfrm>
-          <a:off x="0" y="0"/>
-          <a:ext cx="0" cy="0"/>
-          <a:chOff x="0" y="0"/>
-          <a:chExt cx="0" cy="0"/>
-        </a:xfrm>
-      </p:grpSpPr>
-      <p:sp>
-        <p:nvSpPr>
-          <p:cNvPr id="2" name="TextBox 1">
-            <a:extLst>
-              <a:ext uri="{FF2B5EF4-FFF2-40B4-BE49-F238E27FC236}">
-                <a16:creationId xmlns:a16="http://schemas.microsoft.com/office/drawing/2014/main" id="{5D1862C6-A8DA-4306-A593-5F204A9880D3}"/>
-              </a:ext>
-            </a:extLst>
-          </p:cNvPr>
-          <p:cNvSpPr txBox="1"/>
-          <p:nvPr/>
-        </p:nvSpPr>
-        <p:spPr>
-          <a:xfrm>
-            <a:off x="364919" y="289420"/>
-            <a:ext cx="11396445" cy="400110"/>
-          </a:xfrm>
-          <a:prstGeom prst="rect">
-            <a:avLst/>
-          </a:prstGeom>
-          <a:noFill/>
-        </p:spPr>
-        <p:txBody>
-          <a:bodyPr wrap="square" rtlCol="0">
-            <a:spAutoFit/>
-          </a:bodyPr>
-          <a:lstStyle/>
-          <a:p>
-            <a:r>
-              <a:rPr lang="en-US" sz="2000" dirty="0"/>
               <a:t>Philadelphia Crime Trends vs. Reported COVID Cases</a:t>
             </a:r>
           </a:p>
@@ -7753,8 +7671,8 @@
         </p:blipFill>
         <p:spPr>
           <a:xfrm>
-            <a:off x="1480561" y="834524"/>
-            <a:ext cx="4081079" cy="3012225"/>
+            <a:off x="1784578" y="818074"/>
+            <a:ext cx="3881026" cy="2864567"/>
           </a:xfrm>
           <a:prstGeom prst="rect">
             <a:avLst/>
@@ -7783,8 +7701,8 @@
         </p:blipFill>
         <p:spPr>
           <a:xfrm>
-            <a:off x="1658702" y="4057019"/>
-            <a:ext cx="3724795" cy="2524477"/>
+            <a:off x="5951616" y="895475"/>
+            <a:ext cx="3985531" cy="2701190"/>
           </a:xfrm>
           <a:prstGeom prst="rect">
             <a:avLst/>
@@ -7813,8 +7731,8 @@
         </p:blipFill>
         <p:spPr>
           <a:xfrm>
-            <a:off x="5894176" y="810708"/>
-            <a:ext cx="4229690" cy="3000794"/>
+            <a:off x="1736565" y="3782924"/>
+            <a:ext cx="3933612" cy="2790738"/>
           </a:xfrm>
           <a:prstGeom prst="rect">
             <a:avLst/>
@@ -7843,14 +7761,112 @@
         </p:blipFill>
         <p:spPr>
           <a:xfrm>
-            <a:off x="6108518" y="4057020"/>
-            <a:ext cx="3686975" cy="2494946"/>
+            <a:off x="5951616" y="3836510"/>
+            <a:ext cx="3953045" cy="2674993"/>
           </a:xfrm>
           <a:prstGeom prst="rect">
             <a:avLst/>
           </a:prstGeom>
         </p:spPr>
       </p:pic>
+      <p:sp>
+        <p:nvSpPr>
+          <p:cNvPr id="7" name="TextBox 6">
+            <a:extLst>
+              <a:ext uri="{FF2B5EF4-FFF2-40B4-BE49-F238E27FC236}">
+                <a16:creationId xmlns:a16="http://schemas.microsoft.com/office/drawing/2014/main" id="{67AFC3CD-8157-4815-94BA-9E8554BD8EFB}"/>
+              </a:ext>
+            </a:extLst>
+          </p:cNvPr>
+          <p:cNvSpPr txBox="1"/>
+          <p:nvPr/>
+        </p:nvSpPr>
+        <p:spPr>
+          <a:xfrm>
+            <a:off x="902372" y="1192126"/>
+            <a:ext cx="461665" cy="2057400"/>
+          </a:xfrm>
+          <a:prstGeom prst="rect">
+            <a:avLst/>
+          </a:prstGeom>
+          <a:noFill/>
+          <a:ln w="19050">
+            <a:solidFill>
+              <a:schemeClr val="tx1"/>
+            </a:solidFill>
+          </a:ln>
+          <a:effectLst>
+            <a:glow rad="63500">
+              <a:schemeClr val="accent2">
+                <a:satMod val="175000"/>
+                <a:alpha val="40000"/>
+              </a:schemeClr>
+            </a:glow>
+          </a:effectLst>
+        </p:spPr>
+        <p:txBody>
+          <a:bodyPr vert="vert270" wrap="square" rtlCol="0">
+            <a:spAutoFit/>
+          </a:bodyPr>
+          <a:lstStyle/>
+          <a:p>
+            <a:pPr algn="ctr"/>
+            <a:r>
+              <a:rPr lang="en-US" dirty="0"/>
+              <a:t>Violent Crimes</a:t>
+            </a:r>
+          </a:p>
+        </p:txBody>
+      </p:sp>
+      <p:sp>
+        <p:nvSpPr>
+          <p:cNvPr id="8" name="TextBox 7">
+            <a:extLst>
+              <a:ext uri="{FF2B5EF4-FFF2-40B4-BE49-F238E27FC236}">
+                <a16:creationId xmlns:a16="http://schemas.microsoft.com/office/drawing/2014/main" id="{096F3048-C165-4526-B47E-E55BE5016302}"/>
+              </a:ext>
+            </a:extLst>
+          </p:cNvPr>
+          <p:cNvSpPr txBox="1"/>
+          <p:nvPr/>
+        </p:nvSpPr>
+        <p:spPr>
+          <a:xfrm>
+            <a:off x="902371" y="3994929"/>
+            <a:ext cx="461665" cy="2306714"/>
+          </a:xfrm>
+          <a:prstGeom prst="rect">
+            <a:avLst/>
+          </a:prstGeom>
+          <a:noFill/>
+          <a:ln w="19050">
+            <a:solidFill>
+              <a:schemeClr val="tx1"/>
+            </a:solidFill>
+          </a:ln>
+          <a:effectLst>
+            <a:glow rad="63500">
+              <a:schemeClr val="accent2">
+                <a:satMod val="175000"/>
+                <a:alpha val="40000"/>
+              </a:schemeClr>
+            </a:glow>
+          </a:effectLst>
+        </p:spPr>
+        <p:txBody>
+          <a:bodyPr vert="vert270" wrap="square" rtlCol="0">
+            <a:spAutoFit/>
+          </a:bodyPr>
+          <a:lstStyle/>
+          <a:p>
+            <a:pPr algn="ctr"/>
+            <a:r>
+              <a:rPr lang="en-US" dirty="0"/>
+              <a:t>Non-Violent Crimes</a:t>
+            </a:r>
+          </a:p>
+        </p:txBody>
+      </p:sp>
     </p:spTree>
     <p:extLst>
       <p:ext uri="{BB962C8B-B14F-4D97-AF65-F5344CB8AC3E}">
@@ -8675,7 +8691,7 @@
             </a:pPr>
             <a:r>
               <a:rPr lang="en-US" sz="1600" dirty="0"/>
-              <a:t>Overall, we found no correlation between COVID-19 and non-violent and violent crime trends</a:t>
+              <a:t>Overall, we found no direct correlation between COVID-19 and non-violent and violent crime trends</a:t>
             </a:r>
           </a:p>
           <a:p>
@@ -8872,7 +8888,7 @@
           <a:p>
             <a:r>
               <a:rPr lang="en-US" sz="2000" dirty="0"/>
-              <a:t>Los Angeles – Overview of Crime by Offense</a:t>
+              <a:t>- Los Angeles Case Study – Overview of Crime by Offense</a:t>
             </a:r>
           </a:p>
         </p:txBody>
@@ -9003,7 +9019,7 @@
         </p:blipFill>
         <p:spPr>
           <a:xfrm>
-            <a:off x="6562400" y="826368"/>
+            <a:off x="6598496" y="826368"/>
             <a:ext cx="4492617" cy="2632125"/>
           </a:xfrm>
           <a:prstGeom prst="rect">
@@ -9252,7 +9268,7 @@
         <p:spPr>
           <a:xfrm>
             <a:off x="503339" y="906011"/>
-            <a:ext cx="11014762" cy="1077218"/>
+            <a:ext cx="11014762" cy="1569660"/>
           </a:xfrm>
           <a:prstGeom prst="rect">
             <a:avLst/>
@@ -9271,7 +9287,7 @@
             </a:pPr>
             <a:r>
               <a:rPr lang="en-US" sz="1600" dirty="0"/>
-              <a:t>All Violent crime offense types experienced a noticeable uptick in reported cases beginning in April 2020</a:t>
+              <a:t>Los Angeles’ most prevalent violent crime offense types experienced a noticeable uptick in reported cases beginning in April 2020</a:t>
             </a:r>
           </a:p>
           <a:p>
@@ -9291,7 +9307,7 @@
             </a:pPr>
             <a:r>
               <a:rPr lang="en-US" sz="1600" dirty="0"/>
-              <a:t>We don’t  have enough data to determine whether there is a seasonal </a:t>
+              <a:t>We don’t  have enough data to determine whether there is a seasonal component to the data, or whether factors other than COVID caused the increase</a:t>
             </a:r>
           </a:p>
         </p:txBody>
